--- a/present/ไฟล์นำเสนอ.pptx
+++ b/present/ไฟล์นำเสนอ.pptx
@@ -3488,14 +3488,14 @@
             <p:ph idx="1"/>
             <p:extLst>
               <p:ext uri="{D42A27DB-BD31-4B8C-83A1-F6EECF244321}">
-                <p14:modId xmlns:p14="http://schemas.microsoft.com/office/powerpoint/2010/main" val="3453611627"/>
+                <p14:modId xmlns:p14="http://schemas.microsoft.com/office/powerpoint/2010/main" val="2377026621"/>
               </p:ext>
             </p:extLst>
           </p:nvPr>
         </p:nvGraphicFramePr>
         <p:xfrm>
-          <a:off x="789709" y="2698462"/>
-          <a:ext cx="10515600" cy="1854200"/>
+          <a:off x="789709" y="2698461"/>
+          <a:ext cx="10515600" cy="3080154"/>
         </p:xfrm>
         <a:graphic>
           <a:graphicData uri="http://schemas.openxmlformats.org/drawingml/2006/table">
@@ -3540,7 +3540,7 @@
                   </a:extLst>
                 </a:gridCol>
               </a:tblGrid>
-              <a:tr h="370840">
+              <a:tr h="440022">
                 <a:tc>
                   <a:txBody>
                     <a:bodyPr/>
@@ -3627,7 +3627,7 @@
                   </a:ext>
                 </a:extLst>
               </a:tr>
-              <a:tr h="370840">
+              <a:tr h="440022">
                 <a:tc>
                   <a:txBody>
                     <a:bodyPr/>
@@ -3646,7 +3646,44 @@
                     <a:bodyPr/>
                     <a:lstStyle/>
                     <a:p>
-                      <a:endParaRPr lang="en-US" dirty="0"/>
+                      <a:pPr marL="0" marR="0" lvl="0" indent="0" algn="l" defTabSz="914400" rtl="0" eaLnBrk="1" fontAlgn="auto" latinLnBrk="0" hangingPunct="1">
+                        <a:lnSpc>
+                          <a:spcPct val="100000"/>
+                        </a:lnSpc>
+                        <a:spcBef>
+                          <a:spcPts val="0"/>
+                        </a:spcBef>
+                        <a:spcAft>
+                          <a:spcPts val="0"/>
+                        </a:spcAft>
+                        <a:buClrTx/>
+                        <a:buSzTx/>
+                        <a:buFontTx/>
+                        <a:buNone/>
+                        <a:tabLst/>
+                        <a:defRPr/>
+                      </a:pPr>
+                      <a:r>
+                        <a:rPr lang="en-US" sz="1800" b="0" kern="1200" dirty="0" err="1">
+                          <a:solidFill>
+                            <a:schemeClr val="dk1"/>
+                          </a:solidFill>
+                          <a:effectLst/>
+                          <a:latin typeface="+mn-lt"/>
+                          <a:ea typeface="+mn-ea"/>
+                          <a:cs typeface="+mn-cs"/>
+                        </a:rPr>
+                        <a:t>gamename</a:t>
+                      </a:r>
+                      <a:endParaRPr lang="en-US" sz="1800" b="0" kern="1200" dirty="0">
+                        <a:solidFill>
+                          <a:schemeClr val="dk1"/>
+                        </a:solidFill>
+                        <a:effectLst/>
+                        <a:latin typeface="+mn-lt"/>
+                        <a:ea typeface="+mn-ea"/>
+                        <a:cs typeface="+mn-cs"/>
+                      </a:endParaRPr>
                     </a:p>
                   </a:txBody>
                   <a:tcPr/>
@@ -3684,7 +3721,7 @@
                     <a:p>
                       <a:r>
                         <a:rPr lang="en-US" dirty="0"/>
-                        <a:t>1</a:t>
+                        <a:t>Elden ring</a:t>
                       </a:r>
                     </a:p>
                   </a:txBody>
@@ -3696,7 +3733,7 @@
                   </a:ext>
                 </a:extLst>
               </a:tr>
-              <a:tr h="370840">
+              <a:tr h="440022">
                 <a:tc>
                   <a:txBody>
                     <a:bodyPr/>
@@ -3715,9 +3752,131 @@
                     <a:bodyPr/>
                     <a:lstStyle/>
                     <a:p>
+                      <a:pPr marL="0" marR="0" lvl="0" indent="0" algn="l" defTabSz="914400" rtl="0" eaLnBrk="1" fontAlgn="auto" latinLnBrk="0" hangingPunct="1">
+                        <a:lnSpc>
+                          <a:spcPct val="100000"/>
+                        </a:lnSpc>
+                        <a:spcBef>
+                          <a:spcPts val="0"/>
+                        </a:spcBef>
+                        <a:spcAft>
+                          <a:spcPts val="0"/>
+                        </a:spcAft>
+                        <a:buClrTx/>
+                        <a:buSzTx/>
+                        <a:buFontTx/>
+                        <a:buNone/>
+                        <a:tabLst/>
+                        <a:defRPr/>
+                      </a:pPr>
+                      <a:r>
+                        <a:rPr lang="en-US" sz="1800" b="0" kern="1200" dirty="0">
+                          <a:solidFill>
+                            <a:schemeClr val="dk1"/>
+                          </a:solidFill>
+                          <a:effectLst/>
+                          <a:latin typeface="+mn-lt"/>
+                          <a:ea typeface="+mn-ea"/>
+                          <a:cs typeface="+mn-cs"/>
+                        </a:rPr>
+                        <a:t>genre</a:t>
+                      </a:r>
+                    </a:p>
+                  </a:txBody>
+                  <a:tcPr/>
+                </a:tc>
+                <a:tc>
+                  <a:txBody>
+                    <a:bodyPr/>
+                    <a:lstStyle/>
+                    <a:p>
+                      <a:pPr marL="0" marR="0" lvl="0" indent="0" algn="l" defTabSz="914400" rtl="0" eaLnBrk="1" fontAlgn="auto" latinLnBrk="0" hangingPunct="1">
+                        <a:lnSpc>
+                          <a:spcPct val="100000"/>
+                        </a:lnSpc>
+                        <a:spcBef>
+                          <a:spcPts val="0"/>
+                        </a:spcBef>
+                        <a:spcAft>
+                          <a:spcPts val="0"/>
+                        </a:spcAft>
+                        <a:buClrTx/>
+                        <a:buSzTx/>
+                        <a:buFontTx/>
+                        <a:buNone/>
+                        <a:tabLst/>
+                        <a:defRPr/>
+                      </a:pPr>
                       <a:r>
                         <a:rPr lang="en-US" dirty="0"/>
-                        <a:t>CPU</a:t>
+                        <a:t>String</a:t>
+                      </a:r>
+                    </a:p>
+                  </a:txBody>
+                  <a:tcPr/>
+                </a:tc>
+                <a:tc>
+                  <a:txBody>
+                    <a:bodyPr/>
+                    <a:lstStyle/>
+                    <a:p>
+                      <a:r>
+                        <a:rPr lang="en-US" dirty="0"/>
+                        <a:t>-</a:t>
+                      </a:r>
+                    </a:p>
+                  </a:txBody>
+                  <a:tcPr/>
+                </a:tc>
+                <a:tc>
+                  <a:txBody>
+                    <a:bodyPr/>
+                    <a:lstStyle/>
+                    <a:p>
+                      <a:r>
+                        <a:rPr lang="en-US" dirty="0"/>
+                        <a:t>Soul like</a:t>
+                      </a:r>
+                    </a:p>
+                  </a:txBody>
+                  <a:tcPr/>
+                </a:tc>
+                <a:extLst>
+                  <a:ext uri="{0D108BD9-81ED-4DB2-BD59-A6C34878D82A}">
+                    <a16:rowId xmlns:a16="http://schemas.microsoft.com/office/drawing/2014/main" val="1042919436"/>
+                  </a:ext>
+                </a:extLst>
+              </a:tr>
+              <a:tr h="440022">
+                <a:tc>
+                  <a:txBody>
+                    <a:bodyPr/>
+                    <a:lstStyle/>
+                    <a:p>
+                      <a:r>
+                        <a:rPr lang="en-US" dirty="0"/>
+                        <a:t>3</a:t>
+                      </a:r>
+                    </a:p>
+                  </a:txBody>
+                  <a:tcPr/>
+                </a:tc>
+                <a:tc>
+                  <a:txBody>
+                    <a:bodyPr/>
+                    <a:lstStyle/>
+                    <a:p>
+                      <a:r>
+                        <a:rPr lang="en-US" sz="1800" b="0" kern="1200" dirty="0">
+                          <a:solidFill>
+                            <a:schemeClr val="dk1"/>
+                          </a:solidFill>
+                          <a:effectLst/>
+                          <a:latin typeface="+mn-lt"/>
+                          <a:ea typeface="+mn-ea"/>
+                          <a:cs typeface="+mn-cs"/>
+                        </a:rPr>
+                        <a:t>review</a:t>
                       </a:r>
                     </a:p>
                   </a:txBody>
@@ -3756,13 +3915,8 @@
                     <a:p>
                       <a:r>
                         <a:rPr lang="en-US" dirty="0"/>
-                        <a:t>Intel i9 </a:t>
+                        <a:t>GOOD</a:t>
                       </a:r>
-                      <a:r>
-                        <a:rPr lang="en-US" dirty="0" err="1"/>
-                        <a:t>GenXX</a:t>
-                      </a:r>
-                      <a:endParaRPr lang="en-US" dirty="0"/>
                     </a:p>
                   </a:txBody>
                   <a:tcPr/>
@@ -3773,88 +3927,7 @@
                   </a:ext>
                 </a:extLst>
               </a:tr>
-              <a:tr h="370840">
-                <a:tc>
-                  <a:txBody>
-                    <a:bodyPr/>
-                    <a:lstStyle/>
-                    <a:p>
-                      <a:r>
-                        <a:rPr lang="en-US" dirty="0"/>
-                        <a:t>3</a:t>
-                      </a:r>
-                    </a:p>
-                  </a:txBody>
-                  <a:tcPr/>
-                </a:tc>
-                <a:tc>
-                  <a:txBody>
-                    <a:bodyPr/>
-                    <a:lstStyle/>
-                    <a:p>
-                      <a:r>
-                        <a:rPr lang="en-US" dirty="0"/>
-                        <a:t>RAM</a:t>
-                      </a:r>
-                    </a:p>
-                  </a:txBody>
-                  <a:tcPr/>
-                </a:tc>
-                <a:tc>
-                  <a:txBody>
-                    <a:bodyPr/>
-                    <a:lstStyle/>
-                    <a:p>
-                      <a:r>
-                        <a:rPr lang="en-US" dirty="0"/>
-                        <a:t>String</a:t>
-                      </a:r>
-                    </a:p>
-                  </a:txBody>
-                  <a:tcPr/>
-                </a:tc>
-                <a:tc>
-                  <a:txBody>
-                    <a:bodyPr/>
-                    <a:lstStyle/>
-                    <a:p>
-                      <a:r>
-                        <a:rPr lang="en-US" dirty="0"/>
-                        <a:t>-</a:t>
-                      </a:r>
-                    </a:p>
-                  </a:txBody>
-                  <a:tcPr/>
-                </a:tc>
-                <a:tc>
-                  <a:txBody>
-                    <a:bodyPr/>
-                    <a:lstStyle/>
-                    <a:p>
-                      <a:r>
-                        <a:rPr lang="en-US" dirty="0" err="1"/>
-                        <a:t>Corrair</a:t>
-                      </a:r>
-                      <a:r>
-                        <a:rPr lang="en-US" dirty="0"/>
-                        <a:t> </a:t>
-                      </a:r>
-                      <a:r>
-                        <a:rPr lang="en-US" dirty="0" err="1"/>
-                        <a:t>ModelX</a:t>
-                      </a:r>
-                      <a:endParaRPr lang="en-US" dirty="0"/>
-                    </a:p>
-                  </a:txBody>
-                  <a:tcPr/>
-                </a:tc>
-                <a:extLst>
-                  <a:ext uri="{0D108BD9-81ED-4DB2-BD59-A6C34878D82A}">
-                    <a16:rowId xmlns:a16="http://schemas.microsoft.com/office/drawing/2014/main" val="3783687646"/>
-                  </a:ext>
-                </a:extLst>
-              </a:tr>
-              <a:tr h="370840">
+              <a:tr h="440022">
                 <a:tc>
                   <a:txBody>
                     <a:bodyPr/>
@@ -3873,9 +3946,39 @@
                     <a:bodyPr/>
                     <a:lstStyle/>
                     <a:p>
+                      <a:pPr marL="0" marR="0" lvl="0" indent="0" algn="l" defTabSz="914400" rtl="0" eaLnBrk="1" fontAlgn="auto" latinLnBrk="0" hangingPunct="1">
+                        <a:lnSpc>
+                          <a:spcPct val="100000"/>
+                        </a:lnSpc>
+                        <a:spcBef>
+                          <a:spcPts val="0"/>
+                        </a:spcBef>
+                        <a:spcAft>
+                          <a:spcPts val="0"/>
+                        </a:spcAft>
+                        <a:buClrTx/>
+                        <a:buSzTx/>
+                        <a:buFontTx/>
+                        <a:buNone/>
+                        <a:tabLst/>
+                        <a:defRPr/>
+                      </a:pPr>
                       <a:r>
-                        <a:rPr lang="en-US" dirty="0"/>
-                        <a:t>HDD</a:t>
+                        <a:rPr kumimoji="0" lang="en-US" sz="1800" b="0" i="0" u="none" strike="noStrike" kern="1200" cap="none" spc="0" normalizeH="0" baseline="0" noProof="0" dirty="0">
+                          <a:ln>
+                            <a:noFill/>
+                          </a:ln>
+                          <a:solidFill>
+                            <a:prstClr val="black"/>
+                          </a:solidFill>
+                          <a:effectLst/>
+                          <a:uLnTx/>
+                          <a:uFillTx/>
+                          <a:latin typeface="Calibri" panose="020F0502020204030204"/>
+                          <a:ea typeface="+mn-ea"/>
+                          <a:cs typeface="+mn-cs"/>
+                        </a:rPr>
+                        <a:t>Rating</a:t>
                       </a:r>
                     </a:p>
                   </a:txBody>
@@ -3886,9 +3989,39 @@
                     <a:bodyPr/>
                     <a:lstStyle/>
                     <a:p>
+                      <a:pPr marL="0" marR="0" lvl="0" indent="0" algn="l" defTabSz="914400" rtl="0" eaLnBrk="1" fontAlgn="auto" latinLnBrk="0" hangingPunct="1">
+                        <a:lnSpc>
+                          <a:spcPct val="100000"/>
+                        </a:lnSpc>
+                        <a:spcBef>
+                          <a:spcPts val="0"/>
+                        </a:spcBef>
+                        <a:spcAft>
+                          <a:spcPts val="0"/>
+                        </a:spcAft>
+                        <a:buClrTx/>
+                        <a:buSzTx/>
+                        <a:buFontTx/>
+                        <a:buNone/>
+                        <a:tabLst/>
+                        <a:defRPr/>
+                      </a:pPr>
                       <a:r>
-                        <a:rPr lang="en-US" dirty="0"/>
-                        <a:t>String</a:t>
+                        <a:rPr kumimoji="0" lang="en-US" sz="1800" b="0" i="0" u="none" strike="noStrike" kern="1200" cap="none" spc="0" normalizeH="0" baseline="0" noProof="0" dirty="0">
+                          <a:ln>
+                            <a:noFill/>
+                          </a:ln>
+                          <a:solidFill>
+                            <a:prstClr val="black"/>
+                          </a:solidFill>
+                          <a:effectLst/>
+                          <a:uLnTx/>
+                          <a:uFillTx/>
+                          <a:latin typeface="Calibri" panose="020F0502020204030204"/>
+                          <a:ea typeface="+mn-ea"/>
+                          <a:cs typeface="+mn-cs"/>
+                        </a:rPr>
+                        <a:t>Integer</a:t>
                       </a:r>
                     </a:p>
                   </a:txBody>
@@ -3914,12 +4047,67 @@
                     <a:p>
                       <a:r>
                         <a:rPr lang="en-US" dirty="0"/>
-                        <a:t>WD Black </a:t>
+                        <a:t>5</a:t>
                       </a:r>
+                    </a:p>
+                  </a:txBody>
+                  <a:tcPr/>
+                </a:tc>
+                <a:extLst>
+                  <a:ext uri="{0D108BD9-81ED-4DB2-BD59-A6C34878D82A}">
+                    <a16:rowId xmlns:a16="http://schemas.microsoft.com/office/drawing/2014/main" val="3783687646"/>
+                  </a:ext>
+                </a:extLst>
+              </a:tr>
+              <a:tr h="440022">
+                <a:tc>
+                  <a:txBody>
+                    <a:bodyPr/>
+                    <a:lstStyle/>
+                    <a:p>
                       <a:r>
-                        <a:rPr lang="en-US" dirty="0" err="1"/>
-                        <a:t>ModelX</a:t>
+                        <a:rPr lang="en-US" dirty="0"/>
+                        <a:t>5</a:t>
                       </a:r>
+                    </a:p>
+                  </a:txBody>
+                  <a:tcPr/>
+                </a:tc>
+                <a:tc>
+                  <a:txBody>
+                    <a:bodyPr/>
+                    <a:lstStyle/>
+                    <a:p>
+                      <a:endParaRPr lang="en-US" dirty="0"/>
+                    </a:p>
+                  </a:txBody>
+                  <a:tcPr/>
+                </a:tc>
+                <a:tc>
+                  <a:txBody>
+                    <a:bodyPr/>
+                    <a:lstStyle/>
+                    <a:p>
+                      <a:endParaRPr lang="en-US" dirty="0"/>
+                    </a:p>
+                  </a:txBody>
+                  <a:tcPr/>
+                </a:tc>
+                <a:tc>
+                  <a:txBody>
+                    <a:bodyPr/>
+                    <a:lstStyle/>
+                    <a:p>
+                      <a:endParaRPr lang="en-US" dirty="0"/>
+                    </a:p>
+                  </a:txBody>
+                  <a:tcPr/>
+                </a:tc>
+                <a:tc>
+                  <a:txBody>
+                    <a:bodyPr/>
+                    <a:lstStyle/>
+                    <a:p>
                       <a:endParaRPr lang="en-US" dirty="0"/>
                     </a:p>
                   </a:txBody>
@@ -3928,6 +4116,66 @@
                 <a:extLst>
                   <a:ext uri="{0D108BD9-81ED-4DB2-BD59-A6C34878D82A}">
                     <a16:rowId xmlns:a16="http://schemas.microsoft.com/office/drawing/2014/main" val="792690464"/>
+                  </a:ext>
+                </a:extLst>
+              </a:tr>
+              <a:tr h="440022">
+                <a:tc>
+                  <a:txBody>
+                    <a:bodyPr/>
+                    <a:lstStyle/>
+                    <a:p>
+                      <a:r>
+                        <a:rPr lang="en-US" dirty="0"/>
+                        <a:t>6</a:t>
+                      </a:r>
+                    </a:p>
+                  </a:txBody>
+                  <a:tcPr/>
+                </a:tc>
+                <a:tc>
+                  <a:txBody>
+                    <a:bodyPr/>
+                    <a:lstStyle/>
+                    <a:p>
+                      <a:endParaRPr lang="en-US" dirty="0"/>
+                    </a:p>
+                  </a:txBody>
+                  <a:tcPr/>
+                </a:tc>
+                <a:tc>
+                  <a:txBody>
+                    <a:bodyPr/>
+                    <a:lstStyle/>
+                    <a:p>
+                      <a:endParaRPr lang="en-US" dirty="0"/>
+                    </a:p>
+                  </a:txBody>
+                  <a:tcPr/>
+                </a:tc>
+                <a:tc>
+                  <a:txBody>
+                    <a:bodyPr/>
+                    <a:lstStyle/>
+                    <a:p>
+                      <a:endParaRPr lang="en-US" dirty="0"/>
+                    </a:p>
+                  </a:txBody>
+                  <a:tcPr/>
+                </a:tc>
+                <a:tc>
+                  <a:txBody>
+                    <a:bodyPr/>
+                    <a:lstStyle/>
+                    <a:p>
+                      <a:endParaRPr lang="en-US" dirty="0"/>
+                    </a:p>
+                  </a:txBody>
+                  <a:tcPr/>
+                </a:tc>
+                <a:extLst>
+                  <a:ext uri="{0D108BD9-81ED-4DB2-BD59-A6C34878D82A}">
+                    <a16:rowId xmlns:a16="http://schemas.microsoft.com/office/drawing/2014/main" val="1034019267"/>
                   </a:ext>
                 </a:extLst>
               </a:tr>

--- a/present/ไฟล์นำเสนอ.pptx
+++ b/present/ไฟล์นำเสนอ.pptx
@@ -4324,8 +4324,21 @@
             </a:r>
             <a:r>
               <a:rPr lang="en-US" dirty="0"/>
-              <a:t>1</a:t>
-            </a:r>
+              <a:t>1 </a:t>
+            </a:r>
+            <a:r>
+              <a:rPr lang="th-TH" dirty="0"/>
+              <a:t>สามารถดู </a:t>
+            </a:r>
+            <a:r>
+              <a:rPr lang="en-US" dirty="0"/>
+              <a:t>detail </a:t>
+            </a:r>
+            <a:r>
+              <a:rPr lang="th-TH" dirty="0"/>
+              <a:t>ของเกมส์เพิ่มได้</a:t>
+            </a:r>
+            <a:endParaRPr lang="en-US" dirty="0"/>
           </a:p>
           <a:p>
             <a:pPr marL="514350" indent="-514350">

--- a/present/ไฟล์นำเสนอ.pptx
+++ b/present/ไฟล์นำเสนอ.pptx
@@ -3406,8 +3406,12 @@
               <a:t>65311378 </a:t>
             </a:r>
             <a:r>
+              <a:rPr lang="th-TH"/>
+              <a:t> ณฐ</a:t>
+            </a:r>
+            <a:r>
               <a:rPr lang="th-TH" dirty="0"/>
-              <a:t>ณฐกร ขันจอก</a:t>
+              <a:t>กร ขันจอก</a:t>
             </a:r>
             <a:endParaRPr lang="en-US" dirty="0"/>
           </a:p>
